--- a/Alethea11June2019.pptx
+++ b/Alethea11June2019.pptx
@@ -5,15 +5,20 @@
     <p:sldMasterId id="2147483780" r:id="rId1"/>
   </p:sldMasterIdLst>
   <p:notesMasterIdLst>
-    <p:notesMasterId r:id="rId5"/>
+    <p:notesMasterId r:id="rId10"/>
   </p:notesMasterIdLst>
   <p:handoutMasterIdLst>
-    <p:handoutMasterId r:id="rId6"/>
+    <p:handoutMasterId r:id="rId11"/>
   </p:handoutMasterIdLst>
   <p:sldIdLst>
     <p:sldId id="256" r:id="rId2"/>
     <p:sldId id="257" r:id="rId3"/>
     <p:sldId id="258" r:id="rId4"/>
+    <p:sldId id="259" r:id="rId5"/>
+    <p:sldId id="260" r:id="rId6"/>
+    <p:sldId id="261" r:id="rId7"/>
+    <p:sldId id="262" r:id="rId8"/>
+    <p:sldId id="263" r:id="rId9"/>
   </p:sldIdLst>
   <p:sldSz cx="12192000" cy="6858000"/>
   <p:notesSz cx="6858000" cy="9144000"/>
@@ -7089,16 +7094,12 @@
           <a:lstStyle/>
           <a:p>
             <a:r>
-              <a:rPr lang="en-US" sz="2400" smtClean="0"/>
+              <a:rPr lang="en-US" sz="2400" dirty="0" smtClean="0"/>
               <a:t>11</a:t>
             </a:r>
             <a:r>
-              <a:rPr lang="en-US" sz="2400" smtClean="0"/>
-              <a:t> </a:t>
-            </a:r>
-            <a:r>
               <a:rPr lang="en-US" sz="2400" dirty="0" smtClean="0"/>
-              <a:t>June 2019 Update</a:t>
+              <a:t> June 2019 Update</a:t>
             </a:r>
             <a:endParaRPr lang="en-US" sz="2400" dirty="0"/>
           </a:p>
@@ -7134,34 +7135,65 @@
           <a:chExt cx="0" cy="0"/>
         </a:xfrm>
       </p:grpSpPr>
-      <p:pic>
-        <p:nvPicPr>
-          <p:cNvPr id="2" name="Picture 1"/>
-          <p:cNvPicPr>
-            <a:picLocks noChangeAspect="1"/>
-          </p:cNvPicPr>
-          <p:nvPr/>
-        </p:nvPicPr>
-        <p:blipFill>
-          <a:blip r:embed="rId2"/>
-          <a:stretch>
-            <a:fillRect/>
-          </a:stretch>
-        </p:blipFill>
-        <p:spPr>
-          <a:xfrm>
-            <a:off x="3225800" y="1536700"/>
-            <a:ext cx="5740400" cy="3784600"/>
-          </a:xfrm>
-          <a:prstGeom prst="rect">
-            <a:avLst/>
-          </a:prstGeom>
-        </p:spPr>
-      </p:pic>
+      <p:sp>
+        <p:nvSpPr>
+          <p:cNvPr id="2" name="Title 1"/>
+          <p:cNvSpPr>
+            <a:spLocks noGrp="1"/>
+          </p:cNvSpPr>
+          <p:nvPr>
+            <p:ph type="title"/>
+          </p:nvPr>
+        </p:nvSpPr>
+        <p:spPr/>
+        <p:txBody>
+          <a:bodyPr/>
+          <a:lstStyle/>
+          <a:p>
+            <a:r>
+              <a:rPr lang="en-US" dirty="0" smtClean="0"/>
+              <a:t>The Story</a:t>
+            </a:r>
+            <a:endParaRPr lang="en-US" dirty="0"/>
+          </a:p>
+        </p:txBody>
+      </p:sp>
+      <p:sp>
+        <p:nvSpPr>
+          <p:cNvPr id="3" name="Content Placeholder 2"/>
+          <p:cNvSpPr>
+            <a:spLocks noGrp="1"/>
+          </p:cNvSpPr>
+          <p:nvPr>
+            <p:ph idx="1"/>
+          </p:nvPr>
+        </p:nvSpPr>
+        <p:spPr/>
+        <p:txBody>
+          <a:bodyPr/>
+          <a:lstStyle/>
+          <a:p>
+            <a:r>
+              <a:rPr lang="en-US" dirty="0" err="1" smtClean="0"/>
+              <a:t>Alethea</a:t>
+            </a:r>
+            <a:r>
+              <a:rPr lang="en-US" dirty="0" smtClean="0"/>
+              <a:t> is a police officer, tasked with stop and frisk duties.</a:t>
+            </a:r>
+          </a:p>
+          <a:p>
+            <a:r>
+              <a:rPr lang="en-US" dirty="0" smtClean="0"/>
+              <a:t>She wants to understand and quantify the social bias influencing her choices so she can augment her behavior to minimize bias.</a:t>
+            </a:r>
+          </a:p>
+        </p:txBody>
+      </p:sp>
     </p:spTree>
     <p:extLst>
       <p:ext uri="{BB962C8B-B14F-4D97-AF65-F5344CB8AC3E}">
-        <p14:creationId xmlns:p14="http://schemas.microsoft.com/office/powerpoint/2010/main" val="3603801712"/>
+        <p14:creationId xmlns:p14="http://schemas.microsoft.com/office/powerpoint/2010/main" val="1191691724"/>
       </p:ext>
     </p:extLst>
   </p:cSld>
@@ -7188,34 +7220,534 @@
           <a:chExt cx="0" cy="0"/>
         </a:xfrm>
       </p:grpSpPr>
-      <p:pic>
-        <p:nvPicPr>
-          <p:cNvPr id="2" name="Picture 1"/>
-          <p:cNvPicPr>
-            <a:picLocks noChangeAspect="1"/>
-          </p:cNvPicPr>
-          <p:nvPr/>
-        </p:nvPicPr>
-        <p:blipFill>
-          <a:blip r:embed="rId2"/>
-          <a:stretch>
-            <a:fillRect/>
-          </a:stretch>
-        </p:blipFill>
-        <p:spPr>
-          <a:xfrm>
-            <a:off x="0" y="1917700"/>
-            <a:ext cx="12192000" cy="3007629"/>
-          </a:xfrm>
-          <a:prstGeom prst="rect">
-            <a:avLst/>
-          </a:prstGeom>
-        </p:spPr>
-      </p:pic>
+      <p:sp>
+        <p:nvSpPr>
+          <p:cNvPr id="2" name="Title 1"/>
+          <p:cNvSpPr>
+            <a:spLocks noGrp="1"/>
+          </p:cNvSpPr>
+          <p:nvPr>
+            <p:ph type="title"/>
+          </p:nvPr>
+        </p:nvSpPr>
+        <p:spPr/>
+        <p:txBody>
+          <a:bodyPr/>
+          <a:lstStyle/>
+          <a:p>
+            <a:endParaRPr lang="en-US"/>
+          </a:p>
+        </p:txBody>
+      </p:sp>
+      <p:sp>
+        <p:nvSpPr>
+          <p:cNvPr id="3" name="Content Placeholder 2"/>
+          <p:cNvSpPr>
+            <a:spLocks noGrp="1"/>
+          </p:cNvSpPr>
+          <p:nvPr>
+            <p:ph idx="1"/>
+          </p:nvPr>
+        </p:nvSpPr>
+        <p:spPr/>
+        <p:txBody>
+          <a:bodyPr/>
+          <a:lstStyle/>
+          <a:p>
+            <a:r>
+              <a:rPr lang="en-US" dirty="0" smtClean="0"/>
+              <a:t>The model represents </a:t>
+            </a:r>
+            <a:r>
+              <a:rPr lang="en-US" dirty="0" err="1" smtClean="0"/>
+              <a:t>Alethea</a:t>
+            </a:r>
+            <a:r>
+              <a:rPr lang="en-US" dirty="0" smtClean="0"/>
+              <a:t>. At each step she is given a choice between two subjects and must decide whether to detain one or neither.</a:t>
+            </a:r>
+          </a:p>
+          <a:p>
+            <a:r>
+              <a:rPr lang="en-US" dirty="0" smtClean="0"/>
+              <a:t>The subjects have a level of criminality and a level of suspiciousness. Suspiciousness is a function of criminality with more suspicion tending to indicate more criminality.</a:t>
+            </a:r>
+            <a:endParaRPr lang="en-US" dirty="0"/>
+          </a:p>
+        </p:txBody>
+      </p:sp>
     </p:spTree>
     <p:extLst>
       <p:ext uri="{BB962C8B-B14F-4D97-AF65-F5344CB8AC3E}">
-        <p14:creationId xmlns:p14="http://schemas.microsoft.com/office/powerpoint/2010/main" val="2755453298"/>
+        <p14:creationId xmlns:p14="http://schemas.microsoft.com/office/powerpoint/2010/main" val="3449469542"/>
+      </p:ext>
+    </p:extLst>
+  </p:cSld>
+  <p:clrMapOvr>
+    <a:masterClrMapping/>
+  </p:clrMapOvr>
+</p:sld>
+</file>
+
+<file path=ppt/slides/slide4.xml><?xml version="1.0" encoding="utf-8"?>
+<p:sld xmlns:a="http://schemas.openxmlformats.org/drawingml/2006/main" xmlns:r="http://schemas.openxmlformats.org/officeDocument/2006/relationships" xmlns:p="http://schemas.openxmlformats.org/presentationml/2006/main">
+  <p:cSld>
+    <p:spTree>
+      <p:nvGrpSpPr>
+        <p:cNvPr id="1" name=""/>
+        <p:cNvGrpSpPr/>
+        <p:nvPr/>
+      </p:nvGrpSpPr>
+      <p:grpSpPr>
+        <a:xfrm>
+          <a:off x="0" y="0"/>
+          <a:ext cx="0" cy="0"/>
+          <a:chOff x="0" y="0"/>
+          <a:chExt cx="0" cy="0"/>
+        </a:xfrm>
+      </p:grpSpPr>
+      <p:sp>
+        <p:nvSpPr>
+          <p:cNvPr id="2" name="Title 1"/>
+          <p:cNvSpPr>
+            <a:spLocks noGrp="1"/>
+          </p:cNvSpPr>
+          <p:nvPr>
+            <p:ph type="title"/>
+          </p:nvPr>
+        </p:nvSpPr>
+        <p:spPr/>
+        <p:txBody>
+          <a:bodyPr/>
+          <a:lstStyle/>
+          <a:p>
+            <a:endParaRPr lang="en-US"/>
+          </a:p>
+        </p:txBody>
+      </p:sp>
+      <p:sp>
+        <p:nvSpPr>
+          <p:cNvPr id="3" name="Content Placeholder 2"/>
+          <p:cNvSpPr>
+            <a:spLocks noGrp="1"/>
+          </p:cNvSpPr>
+          <p:nvPr>
+            <p:ph idx="1"/>
+          </p:nvPr>
+        </p:nvSpPr>
+        <p:spPr/>
+        <p:txBody>
+          <a:bodyPr/>
+          <a:lstStyle/>
+          <a:p>
+            <a:r>
+              <a:rPr lang="en-US" dirty="0" err="1" smtClean="0"/>
+              <a:t>Alethea</a:t>
+            </a:r>
+            <a:r>
+              <a:rPr lang="en-US" dirty="0" smtClean="0"/>
+              <a:t> does not know the level of criminality of the subjects, only their suspiciousness level</a:t>
+            </a:r>
+          </a:p>
+          <a:p>
+            <a:r>
+              <a:rPr lang="en-US" dirty="0" smtClean="0"/>
+              <a:t>The subjects from one group have an added level of bias, </a:t>
+            </a:r>
+            <a:r>
+              <a:rPr lang="en-US" dirty="0" err="1" smtClean="0"/>
+              <a:t>Alethea</a:t>
+            </a:r>
+            <a:r>
+              <a:rPr lang="en-US" dirty="0" smtClean="0"/>
+              <a:t> unconsciously tends to overestimate their potential for criminality.</a:t>
+            </a:r>
+            <a:endParaRPr lang="en-US" dirty="0"/>
+          </a:p>
+        </p:txBody>
+      </p:sp>
+    </p:spTree>
+    <p:extLst>
+      <p:ext uri="{BB962C8B-B14F-4D97-AF65-F5344CB8AC3E}">
+        <p14:creationId xmlns:p14="http://schemas.microsoft.com/office/powerpoint/2010/main" val="737295302"/>
+      </p:ext>
+    </p:extLst>
+  </p:cSld>
+  <p:clrMapOvr>
+    <a:masterClrMapping/>
+  </p:clrMapOvr>
+</p:sld>
+</file>
+
+<file path=ppt/slides/slide5.xml><?xml version="1.0" encoding="utf-8"?>
+<p:sld xmlns:a="http://schemas.openxmlformats.org/drawingml/2006/main" xmlns:r="http://schemas.openxmlformats.org/officeDocument/2006/relationships" xmlns:p="http://schemas.openxmlformats.org/presentationml/2006/main">
+  <p:cSld>
+    <p:spTree>
+      <p:nvGrpSpPr>
+        <p:cNvPr id="1" name=""/>
+        <p:cNvGrpSpPr/>
+        <p:nvPr/>
+      </p:nvGrpSpPr>
+      <p:grpSpPr>
+        <a:xfrm>
+          <a:off x="0" y="0"/>
+          <a:ext cx="0" cy="0"/>
+          <a:chOff x="0" y="0"/>
+          <a:chExt cx="0" cy="0"/>
+        </a:xfrm>
+      </p:grpSpPr>
+      <p:sp>
+        <p:nvSpPr>
+          <p:cNvPr id="2" name="Title 1"/>
+          <p:cNvSpPr>
+            <a:spLocks noGrp="1"/>
+          </p:cNvSpPr>
+          <p:nvPr>
+            <p:ph type="title"/>
+          </p:nvPr>
+        </p:nvSpPr>
+        <p:spPr/>
+        <p:txBody>
+          <a:bodyPr/>
+          <a:lstStyle/>
+          <a:p>
+            <a:endParaRPr lang="en-US"/>
+          </a:p>
+        </p:txBody>
+      </p:sp>
+      <p:sp>
+        <p:nvSpPr>
+          <p:cNvPr id="3" name="Content Placeholder 2"/>
+          <p:cNvSpPr>
+            <a:spLocks noGrp="1"/>
+          </p:cNvSpPr>
+          <p:nvPr>
+            <p:ph idx="1"/>
+          </p:nvPr>
+        </p:nvSpPr>
+        <p:spPr/>
+        <p:txBody>
+          <a:bodyPr/>
+          <a:lstStyle/>
+          <a:p>
+            <a:r>
+              <a:rPr lang="en-US" dirty="0" smtClean="0"/>
+              <a:t>The reinforcement learning engine generates background data in three scenarios</a:t>
+            </a:r>
+          </a:p>
+          <a:p>
+            <a:r>
+              <a:rPr lang="en-US" dirty="0" smtClean="0"/>
+              <a:t>First, when </a:t>
+            </a:r>
+            <a:r>
+              <a:rPr lang="en-US" dirty="0" err="1" smtClean="0"/>
+              <a:t>Alethea</a:t>
+            </a:r>
+            <a:r>
+              <a:rPr lang="en-US" dirty="0" smtClean="0"/>
+              <a:t> has information on suspiciousness only</a:t>
+            </a:r>
+          </a:p>
+          <a:p>
+            <a:r>
+              <a:rPr lang="en-US" dirty="0" smtClean="0"/>
+              <a:t>Second when she knows suspiciousness and group</a:t>
+            </a:r>
+          </a:p>
+          <a:p>
+            <a:r>
+              <a:rPr lang="en-US" dirty="0" smtClean="0"/>
+              <a:t>Third, when she knows an indirect factor associated with group (like neighborhood)</a:t>
+            </a:r>
+          </a:p>
+          <a:p>
+            <a:endParaRPr lang="en-US" dirty="0"/>
+          </a:p>
+        </p:txBody>
+      </p:sp>
+    </p:spTree>
+    <p:extLst>
+      <p:ext uri="{BB962C8B-B14F-4D97-AF65-F5344CB8AC3E}">
+        <p14:creationId xmlns:p14="http://schemas.microsoft.com/office/powerpoint/2010/main" val="208957654"/>
+      </p:ext>
+    </p:extLst>
+  </p:cSld>
+  <p:clrMapOvr>
+    <a:masterClrMapping/>
+  </p:clrMapOvr>
+</p:sld>
+</file>
+
+<file path=ppt/slides/slide6.xml><?xml version="1.0" encoding="utf-8"?>
+<p:sld xmlns:a="http://schemas.openxmlformats.org/drawingml/2006/main" xmlns:r="http://schemas.openxmlformats.org/officeDocument/2006/relationships" xmlns:p="http://schemas.openxmlformats.org/presentationml/2006/main">
+  <p:cSld>
+    <p:spTree>
+      <p:nvGrpSpPr>
+        <p:cNvPr id="1" name=""/>
+        <p:cNvGrpSpPr/>
+        <p:nvPr/>
+      </p:nvGrpSpPr>
+      <p:grpSpPr>
+        <a:xfrm>
+          <a:off x="0" y="0"/>
+          <a:ext cx="0" cy="0"/>
+          <a:chOff x="0" y="0"/>
+          <a:chExt cx="0" cy="0"/>
+        </a:xfrm>
+      </p:grpSpPr>
+      <p:sp>
+        <p:nvSpPr>
+          <p:cNvPr id="2" name="Title 1"/>
+          <p:cNvSpPr>
+            <a:spLocks noGrp="1"/>
+          </p:cNvSpPr>
+          <p:nvPr>
+            <p:ph type="title"/>
+          </p:nvPr>
+        </p:nvSpPr>
+        <p:spPr/>
+        <p:txBody>
+          <a:bodyPr/>
+          <a:lstStyle/>
+          <a:p>
+            <a:endParaRPr lang="en-US"/>
+          </a:p>
+        </p:txBody>
+      </p:sp>
+      <p:sp>
+        <p:nvSpPr>
+          <p:cNvPr id="3" name="Content Placeholder 2"/>
+          <p:cNvSpPr>
+            <a:spLocks noGrp="1"/>
+          </p:cNvSpPr>
+          <p:nvPr>
+            <p:ph idx="1"/>
+          </p:nvPr>
+        </p:nvSpPr>
+        <p:spPr/>
+        <p:txBody>
+          <a:bodyPr/>
+          <a:lstStyle/>
+          <a:p>
+            <a:r>
+              <a:rPr lang="en-US" dirty="0" smtClean="0"/>
+              <a:t>A day is 32 time units in length</a:t>
+            </a:r>
+          </a:p>
+          <a:p>
+            <a:r>
+              <a:rPr lang="en-US" dirty="0" smtClean="0"/>
+              <a:t>Each stop and frisk incident takes for time units.</a:t>
+            </a:r>
+          </a:p>
+          <a:p>
+            <a:r>
+              <a:rPr lang="en-US" dirty="0" smtClean="0"/>
+              <a:t>The choice not to stop and frisk takes one time unit.</a:t>
+            </a:r>
+          </a:p>
+          <a:p>
+            <a:pPr marL="0" indent="0">
+              <a:buNone/>
+            </a:pPr>
+            <a:endParaRPr lang="en-US" dirty="0" smtClean="0"/>
+          </a:p>
+          <a:p>
+            <a:endParaRPr lang="en-US" dirty="0"/>
+          </a:p>
+        </p:txBody>
+      </p:sp>
+    </p:spTree>
+    <p:extLst>
+      <p:ext uri="{BB962C8B-B14F-4D97-AF65-F5344CB8AC3E}">
+        <p14:creationId xmlns:p14="http://schemas.microsoft.com/office/powerpoint/2010/main" val="223783145"/>
+      </p:ext>
+    </p:extLst>
+  </p:cSld>
+  <p:clrMapOvr>
+    <a:masterClrMapping/>
+  </p:clrMapOvr>
+</p:sld>
+</file>
+
+<file path=ppt/slides/slide7.xml><?xml version="1.0" encoding="utf-8"?>
+<p:sld xmlns:a="http://schemas.openxmlformats.org/drawingml/2006/main" xmlns:r="http://schemas.openxmlformats.org/officeDocument/2006/relationships" xmlns:p="http://schemas.openxmlformats.org/presentationml/2006/main">
+  <p:cSld>
+    <p:spTree>
+      <p:nvGrpSpPr>
+        <p:cNvPr id="1" name=""/>
+        <p:cNvGrpSpPr/>
+        <p:nvPr/>
+      </p:nvGrpSpPr>
+      <p:grpSpPr>
+        <a:xfrm>
+          <a:off x="0" y="0"/>
+          <a:ext cx="0" cy="0"/>
+          <a:chOff x="0" y="0"/>
+          <a:chExt cx="0" cy="0"/>
+        </a:xfrm>
+      </p:grpSpPr>
+      <p:sp>
+        <p:nvSpPr>
+          <p:cNvPr id="2" name="Title 1"/>
+          <p:cNvSpPr>
+            <a:spLocks noGrp="1"/>
+          </p:cNvSpPr>
+          <p:nvPr>
+            <p:ph type="title"/>
+          </p:nvPr>
+        </p:nvSpPr>
+        <p:spPr/>
+        <p:txBody>
+          <a:bodyPr/>
+          <a:lstStyle/>
+          <a:p>
+            <a:endParaRPr lang="en-US"/>
+          </a:p>
+        </p:txBody>
+      </p:sp>
+      <p:sp>
+        <p:nvSpPr>
+          <p:cNvPr id="3" name="Content Placeholder 2"/>
+          <p:cNvSpPr>
+            <a:spLocks noGrp="1"/>
+          </p:cNvSpPr>
+          <p:nvPr>
+            <p:ph idx="1"/>
+          </p:nvPr>
+        </p:nvSpPr>
+        <p:spPr/>
+        <p:txBody>
+          <a:bodyPr/>
+          <a:lstStyle/>
+          <a:p>
+            <a:r>
+              <a:rPr lang="en-US" dirty="0" smtClean="0"/>
+              <a:t>Criminality is ranked 1 to 4 with 4 being more criminal</a:t>
+            </a:r>
+          </a:p>
+          <a:p>
+            <a:r>
+              <a:rPr lang="en-US" dirty="0" smtClean="0"/>
+              <a:t>Suspiciousness for the non target group is </a:t>
+            </a:r>
+            <a:r>
+              <a:rPr lang="en-US" dirty="0" err="1" smtClean="0"/>
+              <a:t>criminality+random</a:t>
+            </a:r>
+            <a:r>
+              <a:rPr lang="en-US" dirty="0" smtClean="0"/>
+              <a:t> (0,1)</a:t>
+            </a:r>
+          </a:p>
+          <a:p>
+            <a:r>
+              <a:rPr lang="en-US" dirty="0"/>
+              <a:t>Suspiciousness for </a:t>
+            </a:r>
+            <a:r>
+              <a:rPr lang="en-US" dirty="0" smtClean="0"/>
+              <a:t>the </a:t>
+            </a:r>
+            <a:r>
+              <a:rPr lang="en-US" dirty="0"/>
+              <a:t>target group is </a:t>
+            </a:r>
+            <a:r>
+              <a:rPr lang="en-US" dirty="0" err="1"/>
+              <a:t>criminality+random</a:t>
+            </a:r>
+            <a:r>
+              <a:rPr lang="en-US" dirty="0"/>
+              <a:t> </a:t>
+            </a:r>
+            <a:r>
+              <a:rPr lang="en-US" dirty="0" smtClean="0"/>
+              <a:t>(1,1</a:t>
+            </a:r>
+            <a:r>
+              <a:rPr lang="en-US" dirty="0"/>
+              <a:t>)</a:t>
+            </a:r>
+          </a:p>
+          <a:p>
+            <a:endParaRPr lang="en-US" dirty="0"/>
+          </a:p>
+        </p:txBody>
+      </p:sp>
+    </p:spTree>
+    <p:extLst>
+      <p:ext uri="{BB962C8B-B14F-4D97-AF65-F5344CB8AC3E}">
+        <p14:creationId xmlns:p14="http://schemas.microsoft.com/office/powerpoint/2010/main" val="3680681668"/>
+      </p:ext>
+    </p:extLst>
+  </p:cSld>
+  <p:clrMapOvr>
+    <a:masterClrMapping/>
+  </p:clrMapOvr>
+</p:sld>
+</file>
+
+<file path=ppt/slides/slide8.xml><?xml version="1.0" encoding="utf-8"?>
+<p:sld xmlns:a="http://schemas.openxmlformats.org/drawingml/2006/main" xmlns:r="http://schemas.openxmlformats.org/officeDocument/2006/relationships" xmlns:p="http://schemas.openxmlformats.org/presentationml/2006/main">
+  <p:cSld>
+    <p:spTree>
+      <p:nvGrpSpPr>
+        <p:cNvPr id="1" name=""/>
+        <p:cNvGrpSpPr/>
+        <p:nvPr/>
+      </p:nvGrpSpPr>
+      <p:grpSpPr>
+        <a:xfrm>
+          <a:off x="0" y="0"/>
+          <a:ext cx="0" cy="0"/>
+          <a:chOff x="0" y="0"/>
+          <a:chExt cx="0" cy="0"/>
+        </a:xfrm>
+      </p:grpSpPr>
+      <p:sp>
+        <p:nvSpPr>
+          <p:cNvPr id="2" name="Title 1"/>
+          <p:cNvSpPr>
+            <a:spLocks noGrp="1"/>
+          </p:cNvSpPr>
+          <p:nvPr>
+            <p:ph type="title"/>
+          </p:nvPr>
+        </p:nvSpPr>
+        <p:spPr/>
+        <p:txBody>
+          <a:bodyPr/>
+          <a:lstStyle/>
+          <a:p>
+            <a:endParaRPr lang="en-US"/>
+          </a:p>
+        </p:txBody>
+      </p:sp>
+      <p:sp>
+        <p:nvSpPr>
+          <p:cNvPr id="3" name="Content Placeholder 2"/>
+          <p:cNvSpPr>
+            <a:spLocks noGrp="1"/>
+          </p:cNvSpPr>
+          <p:nvPr>
+            <p:ph idx="1"/>
+          </p:nvPr>
+        </p:nvSpPr>
+        <p:spPr/>
+        <p:txBody>
+          <a:bodyPr/>
+          <a:lstStyle/>
+          <a:p>
+            <a:endParaRPr lang="en-US"/>
+          </a:p>
+        </p:txBody>
+      </p:sp>
+    </p:spTree>
+    <p:extLst>
+      <p:ext uri="{BB962C8B-B14F-4D97-AF65-F5344CB8AC3E}">
+        <p14:creationId xmlns:p14="http://schemas.microsoft.com/office/powerpoint/2010/main" val="3023268847"/>
       </p:ext>
     </p:extLst>
   </p:cSld>

--- a/Alethea11June2019.pptx
+++ b/Alethea11June2019.pptx
@@ -5,20 +5,22 @@
     <p:sldMasterId id="2147483780" r:id="rId1"/>
   </p:sldMasterIdLst>
   <p:notesMasterIdLst>
-    <p:notesMasterId r:id="rId10"/>
+    <p:notesMasterId r:id="rId12"/>
   </p:notesMasterIdLst>
   <p:handoutMasterIdLst>
-    <p:handoutMasterId r:id="rId11"/>
+    <p:handoutMasterId r:id="rId13"/>
   </p:handoutMasterIdLst>
   <p:sldIdLst>
     <p:sldId id="256" r:id="rId2"/>
     <p:sldId id="257" r:id="rId3"/>
-    <p:sldId id="258" r:id="rId4"/>
-    <p:sldId id="259" r:id="rId5"/>
-    <p:sldId id="260" r:id="rId6"/>
-    <p:sldId id="261" r:id="rId7"/>
-    <p:sldId id="262" r:id="rId8"/>
-    <p:sldId id="263" r:id="rId9"/>
+    <p:sldId id="264" r:id="rId4"/>
+    <p:sldId id="258" r:id="rId5"/>
+    <p:sldId id="265" r:id="rId6"/>
+    <p:sldId id="266" r:id="rId7"/>
+    <p:sldId id="259" r:id="rId8"/>
+    <p:sldId id="261" r:id="rId9"/>
+    <p:sldId id="260" r:id="rId10"/>
+    <p:sldId id="263" r:id="rId11"/>
   </p:sldIdLst>
   <p:sldSz cx="12192000" cy="6858000"/>
   <p:notesSz cx="6858000" cy="9144000"/>
@@ -637,6 +639,536 @@
     </a:lvl9pPr>
   </p:notesStyle>
 </p:notesMaster>
+</file>
+
+<file path=ppt/notesSlides/notesSlide1.xml><?xml version="1.0" encoding="utf-8"?>
+<p:notes xmlns:a="http://schemas.openxmlformats.org/drawingml/2006/main" xmlns:r="http://schemas.openxmlformats.org/officeDocument/2006/relationships" xmlns:p="http://schemas.openxmlformats.org/presentationml/2006/main">
+  <p:cSld>
+    <p:spTree>
+      <p:nvGrpSpPr>
+        <p:cNvPr id="1" name=""/>
+        <p:cNvGrpSpPr/>
+        <p:nvPr/>
+      </p:nvGrpSpPr>
+      <p:grpSpPr>
+        <a:xfrm>
+          <a:off x="0" y="0"/>
+          <a:ext cx="0" cy="0"/>
+          <a:chOff x="0" y="0"/>
+          <a:chExt cx="0" cy="0"/>
+        </a:xfrm>
+      </p:grpSpPr>
+      <p:sp>
+        <p:nvSpPr>
+          <p:cNvPr id="2" name="Slide Image Placeholder 1"/>
+          <p:cNvSpPr>
+            <a:spLocks noGrp="1" noRot="1" noChangeAspect="1"/>
+          </p:cNvSpPr>
+          <p:nvPr>
+            <p:ph type="sldImg"/>
+          </p:nvPr>
+        </p:nvSpPr>
+        <p:spPr/>
+      </p:sp>
+      <p:sp>
+        <p:nvSpPr>
+          <p:cNvPr id="3" name="Notes Placeholder 2"/>
+          <p:cNvSpPr>
+            <a:spLocks noGrp="1"/>
+          </p:cNvSpPr>
+          <p:nvPr>
+            <p:ph type="body" idx="1"/>
+          </p:nvPr>
+        </p:nvSpPr>
+        <p:spPr/>
+        <p:txBody>
+          <a:bodyPr/>
+          <a:lstStyle/>
+          <a:p>
+            <a:r>
+              <a:rPr lang="en-US" dirty="0" err="1" smtClean="0"/>
+              <a:t>Alethea</a:t>
+            </a:r>
+            <a:r>
+              <a:rPr lang="en-US" dirty="0" smtClean="0"/>
+              <a:t> is a police officer, tasked with stop and frisk duties.</a:t>
+            </a:r>
+          </a:p>
+          <a:p>
+            <a:r>
+              <a:rPr lang="en-US" dirty="0" smtClean="0"/>
+              <a:t>She wants to understand and quantify the social bias influencing her choices so she can augment her behavior to minimize bias.</a:t>
+            </a:r>
+          </a:p>
+          <a:p>
+            <a:endParaRPr lang="en-US" dirty="0"/>
+          </a:p>
+        </p:txBody>
+      </p:sp>
+      <p:sp>
+        <p:nvSpPr>
+          <p:cNvPr id="4" name="Slide Number Placeholder 3"/>
+          <p:cNvSpPr>
+            <a:spLocks noGrp="1"/>
+          </p:cNvSpPr>
+          <p:nvPr>
+            <p:ph type="sldNum" sz="quarter" idx="10"/>
+          </p:nvPr>
+        </p:nvSpPr>
+        <p:spPr/>
+        <p:txBody>
+          <a:bodyPr/>
+          <a:lstStyle/>
+          <a:p>
+            <a:fld id="{E465D08F-9A1F-AC4D-9EF4-FAE208E0B337}" type="slidenum">
+              <a:rPr lang="en-US" smtClean="0"/>
+              <a:t>2</a:t>
+            </a:fld>
+            <a:endParaRPr lang="en-US"/>
+          </a:p>
+        </p:txBody>
+      </p:sp>
+    </p:spTree>
+    <p:extLst>
+      <p:ext uri="{BB962C8B-B14F-4D97-AF65-F5344CB8AC3E}">
+        <p14:creationId xmlns:p14="http://schemas.microsoft.com/office/powerpoint/2010/main" val="4163518799"/>
+      </p:ext>
+    </p:extLst>
+  </p:cSld>
+  <p:clrMapOvr>
+    <a:masterClrMapping/>
+  </p:clrMapOvr>
+</p:notes>
+</file>
+
+<file path=ppt/notesSlides/notesSlide2.xml><?xml version="1.0" encoding="utf-8"?>
+<p:notes xmlns:a="http://schemas.openxmlformats.org/drawingml/2006/main" xmlns:r="http://schemas.openxmlformats.org/officeDocument/2006/relationships" xmlns:p="http://schemas.openxmlformats.org/presentationml/2006/main">
+  <p:cSld>
+    <p:spTree>
+      <p:nvGrpSpPr>
+        <p:cNvPr id="1" name=""/>
+        <p:cNvGrpSpPr/>
+        <p:nvPr/>
+      </p:nvGrpSpPr>
+      <p:grpSpPr>
+        <a:xfrm>
+          <a:off x="0" y="0"/>
+          <a:ext cx="0" cy="0"/>
+          <a:chOff x="0" y="0"/>
+          <a:chExt cx="0" cy="0"/>
+        </a:xfrm>
+      </p:grpSpPr>
+      <p:sp>
+        <p:nvSpPr>
+          <p:cNvPr id="2" name="Slide Image Placeholder 1"/>
+          <p:cNvSpPr>
+            <a:spLocks noGrp="1" noRot="1" noChangeAspect="1"/>
+          </p:cNvSpPr>
+          <p:nvPr>
+            <p:ph type="sldImg"/>
+          </p:nvPr>
+        </p:nvSpPr>
+        <p:spPr/>
+      </p:sp>
+      <p:sp>
+        <p:nvSpPr>
+          <p:cNvPr id="3" name="Notes Placeholder 2"/>
+          <p:cNvSpPr>
+            <a:spLocks noGrp="1"/>
+          </p:cNvSpPr>
+          <p:nvPr>
+            <p:ph type="body" idx="1"/>
+          </p:nvPr>
+        </p:nvSpPr>
+        <p:spPr/>
+        <p:txBody>
+          <a:bodyPr/>
+          <a:lstStyle/>
+          <a:p>
+            <a:r>
+              <a:rPr lang="en-US" dirty="0" smtClean="0"/>
+              <a:t>The model represents </a:t>
+            </a:r>
+            <a:r>
+              <a:rPr lang="en-US" dirty="0" err="1" smtClean="0"/>
+              <a:t>Alethea</a:t>
+            </a:r>
+            <a:r>
+              <a:rPr lang="en-US" dirty="0" smtClean="0"/>
+              <a:t>. At each step she is given a choice between two subjects and must decide whether to detain one or neither.</a:t>
+            </a:r>
+          </a:p>
+          <a:p>
+            <a:r>
+              <a:rPr lang="en-US" dirty="0" smtClean="0"/>
+              <a:t>The subjects have a level of criminality and a level of suspiciousness. Suspiciousness is a function of criminality with more suspicion tending to indicate more criminality.</a:t>
+            </a:r>
+          </a:p>
+          <a:p>
+            <a:endParaRPr lang="en-US" dirty="0"/>
+          </a:p>
+        </p:txBody>
+      </p:sp>
+      <p:sp>
+        <p:nvSpPr>
+          <p:cNvPr id="4" name="Slide Number Placeholder 3"/>
+          <p:cNvSpPr>
+            <a:spLocks noGrp="1"/>
+          </p:cNvSpPr>
+          <p:nvPr>
+            <p:ph type="sldNum" sz="quarter" idx="10"/>
+          </p:nvPr>
+        </p:nvSpPr>
+        <p:spPr/>
+        <p:txBody>
+          <a:bodyPr/>
+          <a:lstStyle/>
+          <a:p>
+            <a:fld id="{E465D08F-9A1F-AC4D-9EF4-FAE208E0B337}" type="slidenum">
+              <a:rPr lang="en-US" smtClean="0"/>
+              <a:t>4</a:t>
+            </a:fld>
+            <a:endParaRPr lang="en-US"/>
+          </a:p>
+        </p:txBody>
+      </p:sp>
+    </p:spTree>
+    <p:extLst>
+      <p:ext uri="{BB962C8B-B14F-4D97-AF65-F5344CB8AC3E}">
+        <p14:creationId xmlns:p14="http://schemas.microsoft.com/office/powerpoint/2010/main" val="1796682388"/>
+      </p:ext>
+    </p:extLst>
+  </p:cSld>
+  <p:clrMapOvr>
+    <a:masterClrMapping/>
+  </p:clrMapOvr>
+</p:notes>
+</file>
+
+<file path=ppt/notesSlides/notesSlide3.xml><?xml version="1.0" encoding="utf-8"?>
+<p:notes xmlns:a="http://schemas.openxmlformats.org/drawingml/2006/main" xmlns:r="http://schemas.openxmlformats.org/officeDocument/2006/relationships" xmlns:p="http://schemas.openxmlformats.org/presentationml/2006/main">
+  <p:cSld>
+    <p:spTree>
+      <p:nvGrpSpPr>
+        <p:cNvPr id="1" name=""/>
+        <p:cNvGrpSpPr/>
+        <p:nvPr/>
+      </p:nvGrpSpPr>
+      <p:grpSpPr>
+        <a:xfrm>
+          <a:off x="0" y="0"/>
+          <a:ext cx="0" cy="0"/>
+          <a:chOff x="0" y="0"/>
+          <a:chExt cx="0" cy="0"/>
+        </a:xfrm>
+      </p:grpSpPr>
+      <p:sp>
+        <p:nvSpPr>
+          <p:cNvPr id="2" name="Slide Image Placeholder 1"/>
+          <p:cNvSpPr>
+            <a:spLocks noGrp="1" noRot="1" noChangeAspect="1"/>
+          </p:cNvSpPr>
+          <p:nvPr>
+            <p:ph type="sldImg"/>
+          </p:nvPr>
+        </p:nvSpPr>
+        <p:spPr/>
+      </p:sp>
+      <p:sp>
+        <p:nvSpPr>
+          <p:cNvPr id="3" name="Notes Placeholder 2"/>
+          <p:cNvSpPr>
+            <a:spLocks noGrp="1"/>
+          </p:cNvSpPr>
+          <p:nvPr>
+            <p:ph type="body" idx="1"/>
+          </p:nvPr>
+        </p:nvSpPr>
+        <p:spPr/>
+        <p:txBody>
+          <a:bodyPr/>
+          <a:lstStyle/>
+          <a:p>
+            <a:r>
+              <a:rPr lang="en-US" dirty="0" err="1" smtClean="0"/>
+              <a:t>Alethea</a:t>
+            </a:r>
+            <a:r>
+              <a:rPr lang="en-US" dirty="0" smtClean="0"/>
+              <a:t> does not know the level of criminality of the subjects, only their suspiciousness level</a:t>
+            </a:r>
+          </a:p>
+          <a:p>
+            <a:r>
+              <a:rPr lang="en-US" dirty="0" smtClean="0"/>
+              <a:t>The subjects from one group have an added level of bias, </a:t>
+            </a:r>
+            <a:r>
+              <a:rPr lang="en-US" dirty="0" err="1" smtClean="0"/>
+              <a:t>Alethea</a:t>
+            </a:r>
+            <a:r>
+              <a:rPr lang="en-US" dirty="0" smtClean="0"/>
+              <a:t> unconsciously tends to overestimate their potential for criminality.</a:t>
+            </a:r>
+          </a:p>
+          <a:p>
+            <a:endParaRPr lang="en-US" dirty="0"/>
+          </a:p>
+        </p:txBody>
+      </p:sp>
+      <p:sp>
+        <p:nvSpPr>
+          <p:cNvPr id="4" name="Slide Number Placeholder 3"/>
+          <p:cNvSpPr>
+            <a:spLocks noGrp="1"/>
+          </p:cNvSpPr>
+          <p:nvPr>
+            <p:ph type="sldNum" sz="quarter" idx="10"/>
+          </p:nvPr>
+        </p:nvSpPr>
+        <p:spPr/>
+        <p:txBody>
+          <a:bodyPr/>
+          <a:lstStyle/>
+          <a:p>
+            <a:fld id="{E465D08F-9A1F-AC4D-9EF4-FAE208E0B337}" type="slidenum">
+              <a:rPr lang="en-US" smtClean="0"/>
+              <a:t>7</a:t>
+            </a:fld>
+            <a:endParaRPr lang="en-US"/>
+          </a:p>
+        </p:txBody>
+      </p:sp>
+    </p:spTree>
+    <p:extLst>
+      <p:ext uri="{BB962C8B-B14F-4D97-AF65-F5344CB8AC3E}">
+        <p14:creationId xmlns:p14="http://schemas.microsoft.com/office/powerpoint/2010/main" val="3442716001"/>
+      </p:ext>
+    </p:extLst>
+  </p:cSld>
+  <p:clrMapOvr>
+    <a:masterClrMapping/>
+  </p:clrMapOvr>
+</p:notes>
+</file>
+
+<file path=ppt/notesSlides/notesSlide4.xml><?xml version="1.0" encoding="utf-8"?>
+<p:notes xmlns:a="http://schemas.openxmlformats.org/drawingml/2006/main" xmlns:r="http://schemas.openxmlformats.org/officeDocument/2006/relationships" xmlns:p="http://schemas.openxmlformats.org/presentationml/2006/main">
+  <p:cSld>
+    <p:spTree>
+      <p:nvGrpSpPr>
+        <p:cNvPr id="1" name=""/>
+        <p:cNvGrpSpPr/>
+        <p:nvPr/>
+      </p:nvGrpSpPr>
+      <p:grpSpPr>
+        <a:xfrm>
+          <a:off x="0" y="0"/>
+          <a:ext cx="0" cy="0"/>
+          <a:chOff x="0" y="0"/>
+          <a:chExt cx="0" cy="0"/>
+        </a:xfrm>
+      </p:grpSpPr>
+      <p:sp>
+        <p:nvSpPr>
+          <p:cNvPr id="2" name="Slide Image Placeholder 1"/>
+          <p:cNvSpPr>
+            <a:spLocks noGrp="1" noRot="1" noChangeAspect="1"/>
+          </p:cNvSpPr>
+          <p:nvPr>
+            <p:ph type="sldImg"/>
+          </p:nvPr>
+        </p:nvSpPr>
+        <p:spPr/>
+      </p:sp>
+      <p:sp>
+        <p:nvSpPr>
+          <p:cNvPr id="3" name="Notes Placeholder 2"/>
+          <p:cNvSpPr>
+            <a:spLocks noGrp="1"/>
+          </p:cNvSpPr>
+          <p:nvPr>
+            <p:ph type="body" idx="1"/>
+          </p:nvPr>
+        </p:nvSpPr>
+        <p:spPr/>
+        <p:txBody>
+          <a:bodyPr/>
+          <a:lstStyle/>
+          <a:p>
+            <a:r>
+              <a:rPr lang="en-US" dirty="0" smtClean="0"/>
+              <a:t>A day is 32 time units in length</a:t>
+            </a:r>
+          </a:p>
+          <a:p>
+            <a:r>
+              <a:rPr lang="en-US" dirty="0" smtClean="0"/>
+              <a:t>Each stop and frisk incident takes four time units.</a:t>
+            </a:r>
+          </a:p>
+          <a:p>
+            <a:r>
+              <a:rPr lang="en-US" dirty="0" smtClean="0"/>
+              <a:t>The choice not to stop and frisk takes one time unit.</a:t>
+            </a:r>
+          </a:p>
+          <a:p>
+            <a:endParaRPr lang="en-US" dirty="0"/>
+          </a:p>
+        </p:txBody>
+      </p:sp>
+      <p:sp>
+        <p:nvSpPr>
+          <p:cNvPr id="4" name="Slide Number Placeholder 3"/>
+          <p:cNvSpPr>
+            <a:spLocks noGrp="1"/>
+          </p:cNvSpPr>
+          <p:nvPr>
+            <p:ph type="sldNum" sz="quarter" idx="10"/>
+          </p:nvPr>
+        </p:nvSpPr>
+        <p:spPr/>
+        <p:txBody>
+          <a:bodyPr/>
+          <a:lstStyle/>
+          <a:p>
+            <a:fld id="{E465D08F-9A1F-AC4D-9EF4-FAE208E0B337}" type="slidenum">
+              <a:rPr lang="en-US" smtClean="0"/>
+              <a:t>8</a:t>
+            </a:fld>
+            <a:endParaRPr lang="en-US"/>
+          </a:p>
+        </p:txBody>
+      </p:sp>
+    </p:spTree>
+    <p:extLst>
+      <p:ext uri="{BB962C8B-B14F-4D97-AF65-F5344CB8AC3E}">
+        <p14:creationId xmlns:p14="http://schemas.microsoft.com/office/powerpoint/2010/main" val="26403598"/>
+      </p:ext>
+    </p:extLst>
+  </p:cSld>
+  <p:clrMapOvr>
+    <a:masterClrMapping/>
+  </p:clrMapOvr>
+</p:notes>
+</file>
+
+<file path=ppt/notesSlides/notesSlide5.xml><?xml version="1.0" encoding="utf-8"?>
+<p:notes xmlns:a="http://schemas.openxmlformats.org/drawingml/2006/main" xmlns:r="http://schemas.openxmlformats.org/officeDocument/2006/relationships" xmlns:p="http://schemas.openxmlformats.org/presentationml/2006/main">
+  <p:cSld>
+    <p:spTree>
+      <p:nvGrpSpPr>
+        <p:cNvPr id="1" name=""/>
+        <p:cNvGrpSpPr/>
+        <p:nvPr/>
+      </p:nvGrpSpPr>
+      <p:grpSpPr>
+        <a:xfrm>
+          <a:off x="0" y="0"/>
+          <a:ext cx="0" cy="0"/>
+          <a:chOff x="0" y="0"/>
+          <a:chExt cx="0" cy="0"/>
+        </a:xfrm>
+      </p:grpSpPr>
+      <p:sp>
+        <p:nvSpPr>
+          <p:cNvPr id="2" name="Slide Image Placeholder 1"/>
+          <p:cNvSpPr>
+            <a:spLocks noGrp="1" noRot="1" noChangeAspect="1"/>
+          </p:cNvSpPr>
+          <p:nvPr>
+            <p:ph type="sldImg"/>
+          </p:nvPr>
+        </p:nvSpPr>
+        <p:spPr/>
+      </p:sp>
+      <p:sp>
+        <p:nvSpPr>
+          <p:cNvPr id="3" name="Notes Placeholder 2"/>
+          <p:cNvSpPr>
+            <a:spLocks noGrp="1"/>
+          </p:cNvSpPr>
+          <p:nvPr>
+            <p:ph type="body" idx="1"/>
+          </p:nvPr>
+        </p:nvSpPr>
+        <p:spPr/>
+        <p:txBody>
+          <a:bodyPr/>
+          <a:lstStyle/>
+          <a:p>
+            <a:r>
+              <a:rPr lang="en-US" dirty="0" smtClean="0"/>
+              <a:t>The reinforcement learning engine generates background data in three scenarios</a:t>
+            </a:r>
+          </a:p>
+          <a:p>
+            <a:r>
+              <a:rPr lang="en-US" dirty="0" smtClean="0"/>
+              <a:t>First, when </a:t>
+            </a:r>
+            <a:r>
+              <a:rPr lang="en-US" dirty="0" err="1" smtClean="0"/>
+              <a:t>Alethea</a:t>
+            </a:r>
+            <a:r>
+              <a:rPr lang="en-US" dirty="0" smtClean="0"/>
+              <a:t> has information on suspiciousness only</a:t>
+            </a:r>
+          </a:p>
+          <a:p>
+            <a:r>
+              <a:rPr lang="en-US" dirty="0" smtClean="0"/>
+              <a:t>Second when she knows suspiciousness and group</a:t>
+            </a:r>
+          </a:p>
+          <a:p>
+            <a:r>
+              <a:rPr lang="en-US" dirty="0" smtClean="0"/>
+              <a:t>Third, when she knows an indirect factor associated with group (like neighborhood)</a:t>
+            </a:r>
+          </a:p>
+          <a:p>
+            <a:endParaRPr lang="en-US" dirty="0"/>
+          </a:p>
+        </p:txBody>
+      </p:sp>
+      <p:sp>
+        <p:nvSpPr>
+          <p:cNvPr id="4" name="Slide Number Placeholder 3"/>
+          <p:cNvSpPr>
+            <a:spLocks noGrp="1"/>
+          </p:cNvSpPr>
+          <p:nvPr>
+            <p:ph type="sldNum" sz="quarter" idx="10"/>
+          </p:nvPr>
+        </p:nvSpPr>
+        <p:spPr/>
+        <p:txBody>
+          <a:bodyPr/>
+          <a:lstStyle/>
+          <a:p>
+            <a:fld id="{E465D08F-9A1F-AC4D-9EF4-FAE208E0B337}" type="slidenum">
+              <a:rPr lang="en-US" smtClean="0"/>
+              <a:t>9</a:t>
+            </a:fld>
+            <a:endParaRPr lang="en-US"/>
+          </a:p>
+        </p:txBody>
+      </p:sp>
+    </p:spTree>
+    <p:extLst>
+      <p:ext uri="{BB962C8B-B14F-4D97-AF65-F5344CB8AC3E}">
+        <p14:creationId xmlns:p14="http://schemas.microsoft.com/office/powerpoint/2010/main" val="1862030271"/>
+      </p:ext>
+    </p:extLst>
+  </p:cSld>
+  <p:clrMapOvr>
+    <a:masterClrMapping/>
+  </p:clrMapOvr>
+</p:notes>
 </file>
 
 <file path=ppt/slideLayouts/slideLayout1.xml><?xml version="1.0" encoding="utf-8"?>
@@ -7118,6 +7650,74 @@
 </p:sld>
 </file>
 
+<file path=ppt/slides/slide10.xml><?xml version="1.0" encoding="utf-8"?>
+<p:sld xmlns:a="http://schemas.openxmlformats.org/drawingml/2006/main" xmlns:r="http://schemas.openxmlformats.org/officeDocument/2006/relationships" xmlns:p="http://schemas.openxmlformats.org/presentationml/2006/main">
+  <p:cSld>
+    <p:spTree>
+      <p:nvGrpSpPr>
+        <p:cNvPr id="1" name=""/>
+        <p:cNvGrpSpPr/>
+        <p:nvPr/>
+      </p:nvGrpSpPr>
+      <p:grpSpPr>
+        <a:xfrm>
+          <a:off x="0" y="0"/>
+          <a:ext cx="0" cy="0"/>
+          <a:chOff x="0" y="0"/>
+          <a:chExt cx="0" cy="0"/>
+        </a:xfrm>
+      </p:grpSpPr>
+      <p:sp>
+        <p:nvSpPr>
+          <p:cNvPr id="2" name="Title 1"/>
+          <p:cNvSpPr>
+            <a:spLocks noGrp="1"/>
+          </p:cNvSpPr>
+          <p:nvPr>
+            <p:ph type="title"/>
+          </p:nvPr>
+        </p:nvSpPr>
+        <p:spPr/>
+        <p:txBody>
+          <a:bodyPr/>
+          <a:lstStyle/>
+          <a:p>
+            <a:endParaRPr lang="en-US"/>
+          </a:p>
+        </p:txBody>
+      </p:sp>
+      <p:sp>
+        <p:nvSpPr>
+          <p:cNvPr id="3" name="Content Placeholder 2"/>
+          <p:cNvSpPr>
+            <a:spLocks noGrp="1"/>
+          </p:cNvSpPr>
+          <p:nvPr>
+            <p:ph idx="1"/>
+          </p:nvPr>
+        </p:nvSpPr>
+        <p:spPr/>
+        <p:txBody>
+          <a:bodyPr/>
+          <a:lstStyle/>
+          <a:p>
+            <a:endParaRPr lang="en-US"/>
+          </a:p>
+        </p:txBody>
+      </p:sp>
+    </p:spTree>
+    <p:extLst>
+      <p:ext uri="{BB962C8B-B14F-4D97-AF65-F5344CB8AC3E}">
+        <p14:creationId xmlns:p14="http://schemas.microsoft.com/office/powerpoint/2010/main" val="3023268847"/>
+      </p:ext>
+    </p:extLst>
+  </p:cSld>
+  <p:clrMapOvr>
+    <a:masterClrMapping/>
+  </p:clrMapOvr>
+</p:sld>
+</file>
+
 <file path=ppt/slides/slide2.xml><?xml version="1.0" encoding="utf-8"?>
 <p:sld xmlns:a="http://schemas.openxmlformats.org/drawingml/2006/main" xmlns:r="http://schemas.openxmlformats.org/officeDocument/2006/relationships" xmlns:p="http://schemas.openxmlformats.org/presentationml/2006/main">
   <p:cSld>
@@ -7179,13 +7779,23 @@
             </a:r>
             <a:r>
               <a:rPr lang="en-US" dirty="0" smtClean="0"/>
-              <a:t> is a police officer, tasked with stop and frisk duties.</a:t>
-            </a:r>
-          </a:p>
-          <a:p>
+              <a:t> is a stop and frisk police officer</a:t>
+            </a:r>
+          </a:p>
+          <a:p>
+            <a:r>
+              <a:rPr lang="en-US" dirty="0"/>
+              <a:t>W</a:t>
+            </a:r>
             <a:r>
               <a:rPr lang="en-US" dirty="0" smtClean="0"/>
-              <a:t>She wants to understand and quantify the social bias influencing her choices so she can augment her behavior to minimize bias.</a:t>
+              <a:t>ants to understand the social bias influencing her decisions </a:t>
+            </a:r>
+          </a:p>
+          <a:p>
+            <a:r>
+              <a:rPr lang="en-US" dirty="0" smtClean="0"/>
+              <a:t>Goal is to augment her behavior to minimize bias</a:t>
             </a:r>
           </a:p>
         </p:txBody>
@@ -7235,7 +7845,12 @@
           <a:bodyPr/>
           <a:lstStyle/>
           <a:p>
-            <a:endParaRPr lang="en-US"/>
+            <a:pPr algn="ctr"/>
+            <a:r>
+              <a:rPr lang="en-US" dirty="0" smtClean="0"/>
+              <a:t>The Subjects</a:t>
+            </a:r>
+            <a:endParaRPr lang="en-US" dirty="0"/>
           </a:p>
         </p:txBody>
       </p:sp>
@@ -7251,35 +7866,42 @@
         </p:nvSpPr>
         <p:spPr/>
         <p:txBody>
-          <a:bodyPr/>
+          <a:bodyPr>
+            <a:normAutofit/>
+          </a:bodyPr>
           <a:lstStyle/>
           <a:p>
             <a:r>
               <a:rPr lang="en-US" dirty="0" smtClean="0"/>
-              <a:t>The model represents </a:t>
-            </a:r>
-            <a:r>
-              <a:rPr lang="en-US" dirty="0" err="1" smtClean="0"/>
-              <a:t>Alethea</a:t>
-            </a:r>
+              <a:t>Belong to one of two groups</a:t>
+            </a:r>
+          </a:p>
+          <a:p>
             <a:r>
               <a:rPr lang="en-US" dirty="0" smtClean="0"/>
-              <a:t>. At each step she is given a choice between two subjects and must decide whether to detain one or neither.</a:t>
-            </a:r>
-          </a:p>
-          <a:p>
+              <a:t>Each has a </a:t>
+            </a:r>
+            <a:r>
+              <a:rPr lang="en-US" dirty="0"/>
+              <a:t>level of criminality and a level of </a:t>
+            </a:r>
             <a:r>
               <a:rPr lang="en-US" dirty="0" smtClean="0"/>
-              <a:t>The subjects have a level of criminality and a level of suspiciousness. Suspiciousness is a function of criminality with more suspicion tending to indicate more criminality.</a:t>
-            </a:r>
-            <a:endParaRPr lang="en-US" dirty="0"/>
+              <a:t>suspiciousness</a:t>
+            </a:r>
+          </a:p>
+          <a:p>
+            <a:r>
+              <a:rPr lang="en-US" dirty="0" smtClean="0"/>
+              <a:t>Criminality is uniformly distributed across the groups</a:t>
+            </a:r>
           </a:p>
         </p:txBody>
       </p:sp>
     </p:spTree>
     <p:extLst>
       <p:ext uri="{BB962C8B-B14F-4D97-AF65-F5344CB8AC3E}">
-        <p14:creationId xmlns:p14="http://schemas.microsoft.com/office/powerpoint/2010/main" val="3449469542"/>
+        <p14:creationId xmlns:p14="http://schemas.microsoft.com/office/powerpoint/2010/main" val="1779960694"/>
       </p:ext>
     </p:extLst>
   </p:cSld>
@@ -7337,39 +7959,46 @@
         </p:nvSpPr>
         <p:spPr/>
         <p:txBody>
-          <a:bodyPr/>
+          <a:bodyPr>
+            <a:normAutofit/>
+          </a:bodyPr>
           <a:lstStyle/>
           <a:p>
+            <a:r>
+              <a:rPr lang="en-US" dirty="0" smtClean="0"/>
+              <a:t>The model represents </a:t>
+            </a:r>
             <a:r>
               <a:rPr lang="en-US" dirty="0" err="1" smtClean="0"/>
               <a:t>Alethea</a:t>
             </a:r>
             <a:r>
               <a:rPr lang="en-US" dirty="0" smtClean="0"/>
-              <a:t> does not know the level of criminality of the subjects, only their suspiciousness level</a:t>
-            </a:r>
-          </a:p>
-          <a:p>
+              <a:t> </a:t>
+            </a:r>
+          </a:p>
+          <a:p>
+            <a:r>
+              <a:rPr lang="en-US" dirty="0"/>
+              <a:t>E</a:t>
+            </a:r>
             <a:r>
               <a:rPr lang="en-US" dirty="0" smtClean="0"/>
-              <a:t>The subjects from one group have an added level of bias, </a:t>
-            </a:r>
-            <a:r>
-              <a:rPr lang="en-US" dirty="0" err="1" smtClean="0"/>
-              <a:t>Alethea</a:t>
-            </a:r>
+              <a:t>ach step: a choice between two subjects </a:t>
+            </a:r>
+          </a:p>
+          <a:p>
             <a:r>
               <a:rPr lang="en-US" dirty="0" smtClean="0"/>
-              <a:t> unconsciously tends to overestimate their potential for criminality.</a:t>
-            </a:r>
-            <a:endParaRPr lang="en-US" dirty="0"/>
+              <a:t>Choice: detain one or neither</a:t>
+            </a:r>
           </a:p>
         </p:txBody>
       </p:sp>
     </p:spTree>
     <p:extLst>
       <p:ext uri="{BB962C8B-B14F-4D97-AF65-F5344CB8AC3E}">
-        <p14:creationId xmlns:p14="http://schemas.microsoft.com/office/powerpoint/2010/main" val="737295302"/>
+        <p14:creationId xmlns:p14="http://schemas.microsoft.com/office/powerpoint/2010/main" val="3449469542"/>
       </p:ext>
     </p:extLst>
   </p:cSld>
@@ -7411,7 +8040,12 @@
           <a:bodyPr/>
           <a:lstStyle/>
           <a:p>
-            <a:endParaRPr lang="en-US"/>
+            <a:pPr algn="ctr"/>
+            <a:r>
+              <a:rPr lang="en-US" dirty="0" smtClean="0"/>
+              <a:t>Criminality and Suspiciousness</a:t>
+            </a:r>
+            <a:endParaRPr lang="en-US" dirty="0"/>
           </a:p>
         </p:txBody>
       </p:sp>
@@ -7427,38 +8061,39 @@
         </p:nvSpPr>
         <p:spPr/>
         <p:txBody>
-          <a:bodyPr/>
+          <a:bodyPr>
+            <a:normAutofit/>
+          </a:bodyPr>
           <a:lstStyle/>
           <a:p>
             <a:r>
+              <a:rPr lang="en-US" dirty="0"/>
+              <a:t>Suspiciousness is a function of criminality </a:t>
+            </a:r>
+            <a:endParaRPr lang="en-US" dirty="0" smtClean="0"/>
+          </a:p>
+          <a:p>
+            <a:r>
               <a:rPr lang="en-US" dirty="0" smtClean="0"/>
-              <a:t>The reinforcement learning engine generates background data in three scenarios</a:t>
-            </a:r>
-          </a:p>
-          <a:p>
+              <a:t>more </a:t>
+            </a:r>
+            <a:r>
+              <a:rPr lang="en-US" dirty="0"/>
+              <a:t>suspicion </a:t>
+            </a:r>
             <a:r>
               <a:rPr lang="en-US" dirty="0" smtClean="0"/>
-              <a:t>First, when </a:t>
-            </a:r>
-            <a:r>
-              <a:rPr lang="en-US" dirty="0" err="1" smtClean="0"/>
-              <a:t>Alethea</a:t>
-            </a:r>
-            <a:r>
-              <a:rPr lang="en-US" dirty="0" smtClean="0"/>
-              <a:t> has information on suspiciousness only</a:t>
-            </a:r>
-          </a:p>
-          <a:p>
-            <a:r>
-              <a:rPr lang="en-US" dirty="0" smtClean="0"/>
-              <a:t>Second when she knows suspiciousness and group</a:t>
-            </a:r>
-          </a:p>
-          <a:p>
-            <a:r>
-              <a:rPr lang="en-US" dirty="0" smtClean="0"/>
-              <a:t>Third, when she knows an indirect factor associated with group (like neighborhood)</a:t>
+              <a:t>tends </a:t>
+            </a:r>
+            <a:r>
+              <a:rPr lang="en-US" dirty="0"/>
+              <a:t>to indicate more criminality</a:t>
+            </a:r>
+          </a:p>
+          <a:p>
+            <a:r>
+              <a:rPr lang="en-US" dirty="0"/>
+              <a:t>Criminality is ranked 1 to 4 with 4 being more criminal</a:t>
             </a:r>
           </a:p>
           <a:p>
@@ -7469,7 +8104,7 @@
     </p:spTree>
     <p:extLst>
       <p:ext uri="{BB962C8B-B14F-4D97-AF65-F5344CB8AC3E}">
-        <p14:creationId xmlns:p14="http://schemas.microsoft.com/office/powerpoint/2010/main" val="208957654"/>
+        <p14:creationId xmlns:p14="http://schemas.microsoft.com/office/powerpoint/2010/main" val="2040821837"/>
       </p:ext>
     </p:extLst>
   </p:cSld>
@@ -7511,7 +8146,12 @@
           <a:bodyPr/>
           <a:lstStyle/>
           <a:p>
-            <a:endParaRPr lang="en-US"/>
+            <a:pPr algn="ctr"/>
+            <a:r>
+              <a:rPr lang="en-US" dirty="0" smtClean="0"/>
+              <a:t>Unequal Suspiciousness</a:t>
+            </a:r>
+            <a:endParaRPr lang="en-US" dirty="0"/>
           </a:p>
         </p:txBody>
       </p:sp>
@@ -7531,27 +8171,47 @@
           <a:lstStyle/>
           <a:p>
             <a:r>
+              <a:rPr lang="en-US" dirty="0"/>
+              <a:t>Suspiciousness for the non target group is </a:t>
+            </a:r>
+            <a:r>
+              <a:rPr lang="en-US" dirty="0" err="1"/>
+              <a:t>criminality+random</a:t>
+            </a:r>
+            <a:r>
+              <a:rPr lang="en-US" dirty="0"/>
+              <a:t> (0,1</a:t>
+            </a:r>
+            <a:r>
               <a:rPr lang="en-US" dirty="0" smtClean="0"/>
-              <a:t>A day is 32 time units in length</a:t>
-            </a:r>
-          </a:p>
-          <a:p>
+              <a:t>), no social bias</a:t>
+            </a:r>
+            <a:endParaRPr lang="en-US" dirty="0"/>
+          </a:p>
+          <a:p>
+            <a:r>
+              <a:rPr lang="en-US" dirty="0"/>
+              <a:t>Suspiciousness for the target group is </a:t>
+            </a:r>
+            <a:r>
+              <a:rPr lang="en-US" dirty="0" err="1"/>
+              <a:t>criminality+random</a:t>
+            </a:r>
+            <a:r>
+              <a:rPr lang="en-US" dirty="0"/>
+              <a:t> (1,1</a:t>
+            </a:r>
             <a:r>
               <a:rPr lang="en-US" dirty="0" smtClean="0"/>
-              <a:t>Each stop and frisk incident takes for time units.</a:t>
+              <a:t>), social bias</a:t>
             </a:r>
           </a:p>
           <a:p>
             <a:r>
               <a:rPr lang="en-US" dirty="0" smtClean="0"/>
-              <a:t>The choice not to stop and frisk takes one time unit.</a:t>
-            </a:r>
-          </a:p>
-          <a:p>
-            <a:pPr marL="0" indent="0">
-              <a:buNone/>
-            </a:pPr>
-            <a:endParaRPr lang="en-US" dirty="0" smtClean="0"/>
+              <a:t>Therefore target group appears more suspicious </a:t>
+            </a:r>
+            <a:endParaRPr lang="en-US" dirty="0"/>
           </a:p>
           <a:p>
             <a:endParaRPr lang="en-US" dirty="0"/>
@@ -7561,7 +8221,7 @@
     </p:spTree>
     <p:extLst>
       <p:ext uri="{BB962C8B-B14F-4D97-AF65-F5344CB8AC3E}">
-        <p14:creationId xmlns:p14="http://schemas.microsoft.com/office/powerpoint/2010/main" val="223783145"/>
+        <p14:creationId xmlns:p14="http://schemas.microsoft.com/office/powerpoint/2010/main" val="3128447288"/>
       </p:ext>
     </p:extLst>
   </p:cSld>
@@ -7623,55 +8283,27 @@
           <a:lstStyle/>
           <a:p>
             <a:r>
+              <a:rPr lang="en-US" dirty="0" err="1" smtClean="0"/>
+              <a:t>Alethea</a:t>
+            </a:r>
+            <a:r>
               <a:rPr lang="en-US" dirty="0" smtClean="0"/>
-              <a:t>Criminality is ranked 1 to 4 with 4 being more criminal</a:t>
+              <a:t> does not know the criminality of the subjects</a:t>
             </a:r>
           </a:p>
           <a:p>
             <a:r>
               <a:rPr lang="en-US" dirty="0" smtClean="0"/>
-              <a:t>Suspiciousness for the non target group is </a:t>
+              <a:t>Due to the added social bias, </a:t>
             </a:r>
             <a:r>
               <a:rPr lang="en-US" dirty="0" err="1" smtClean="0"/>
-              <a:t>criminality+random</a:t>
+              <a:t>Alethea</a:t>
             </a:r>
             <a:r>
               <a:rPr lang="en-US" dirty="0" smtClean="0"/>
-              <a:t> (0,1)</a:t>
-            </a:r>
-          </a:p>
-          <a:p>
-            <a:r>
-              <a:rPr lang="en-US" dirty="0"/>
-              <a:t>Suspiciousness for </a:t>
-            </a:r>
-            <a:r>
-              <a:rPr lang="en-US" dirty="0" smtClean="0"/>
-              <a:t>the </a:t>
-            </a:r>
-            <a:r>
-              <a:rPr lang="en-US" dirty="0"/>
-              <a:t>target group is </a:t>
-            </a:r>
-            <a:r>
-              <a:rPr lang="en-US" dirty="0" err="1"/>
-              <a:t>criminality+random</a:t>
-            </a:r>
-            <a:r>
-              <a:rPr lang="en-US" dirty="0"/>
-              <a:t> </a:t>
-            </a:r>
-            <a:r>
-              <a:rPr lang="en-US" dirty="0" smtClean="0"/>
-              <a:t>(1,1</a:t>
-            </a:r>
-            <a:r>
-              <a:rPr lang="en-US" dirty="0"/>
-              <a:t>)</a:t>
-            </a:r>
-          </a:p>
-          <a:p>
+              <a:t> unconsciously overestimates the second group’s potential for criminality</a:t>
+            </a:r>
             <a:endParaRPr lang="en-US" dirty="0"/>
           </a:p>
         </p:txBody>
@@ -7679,7 +8311,7 @@
     </p:spTree>
     <p:extLst>
       <p:ext uri="{BB962C8B-B14F-4D97-AF65-F5344CB8AC3E}">
-        <p14:creationId xmlns:p14="http://schemas.microsoft.com/office/powerpoint/2010/main" val="3680681668"/>
+        <p14:creationId xmlns:p14="http://schemas.microsoft.com/office/powerpoint/2010/main" val="737295302"/>
       </p:ext>
     </p:extLst>
   </p:cSld>
@@ -7740,14 +8372,137 @@
           <a:bodyPr/>
           <a:lstStyle/>
           <a:p>
-            <a:endParaRPr lang="en-US"/>
+            <a:r>
+              <a:rPr lang="en-US" dirty="0" smtClean="0"/>
+              <a:t>A day is 28 time units in length</a:t>
+            </a:r>
+          </a:p>
+          <a:p>
+            <a:r>
+              <a:rPr lang="en-US" dirty="0" smtClean="0"/>
+              <a:t>Each stop and frisk takes four time units</a:t>
+            </a:r>
+          </a:p>
+          <a:p>
+            <a:r>
+              <a:rPr lang="en-US" dirty="0" smtClean="0"/>
+              <a:t>No stop and frisk takes one time unit</a:t>
+            </a:r>
+          </a:p>
+          <a:p>
+            <a:pPr marL="0" indent="0">
+              <a:buNone/>
+            </a:pPr>
+            <a:endParaRPr lang="en-US" dirty="0" smtClean="0"/>
+          </a:p>
+          <a:p>
+            <a:endParaRPr lang="en-US" dirty="0"/>
           </a:p>
         </p:txBody>
       </p:sp>
     </p:spTree>
     <p:extLst>
       <p:ext uri="{BB962C8B-B14F-4D97-AF65-F5344CB8AC3E}">
-        <p14:creationId xmlns:p14="http://schemas.microsoft.com/office/powerpoint/2010/main" val="3023268847"/>
+        <p14:creationId xmlns:p14="http://schemas.microsoft.com/office/powerpoint/2010/main" val="223783145"/>
+      </p:ext>
+    </p:extLst>
+  </p:cSld>
+  <p:clrMapOvr>
+    <a:masterClrMapping/>
+  </p:clrMapOvr>
+</p:sld>
+</file>
+
+<file path=ppt/slides/slide9.xml><?xml version="1.0" encoding="utf-8"?>
+<p:sld xmlns:a="http://schemas.openxmlformats.org/drawingml/2006/main" xmlns:r="http://schemas.openxmlformats.org/officeDocument/2006/relationships" xmlns:p="http://schemas.openxmlformats.org/presentationml/2006/main">
+  <p:cSld>
+    <p:spTree>
+      <p:nvGrpSpPr>
+        <p:cNvPr id="1" name=""/>
+        <p:cNvGrpSpPr/>
+        <p:nvPr/>
+      </p:nvGrpSpPr>
+      <p:grpSpPr>
+        <a:xfrm>
+          <a:off x="0" y="0"/>
+          <a:ext cx="0" cy="0"/>
+          <a:chOff x="0" y="0"/>
+          <a:chExt cx="0" cy="0"/>
+        </a:xfrm>
+      </p:grpSpPr>
+      <p:sp>
+        <p:nvSpPr>
+          <p:cNvPr id="2" name="Title 1"/>
+          <p:cNvSpPr>
+            <a:spLocks noGrp="1"/>
+          </p:cNvSpPr>
+          <p:nvPr>
+            <p:ph type="title"/>
+          </p:nvPr>
+        </p:nvSpPr>
+        <p:spPr/>
+        <p:txBody>
+          <a:bodyPr/>
+          <a:lstStyle/>
+          <a:p>
+            <a:pPr algn="ctr"/>
+            <a:r>
+              <a:rPr lang="en-US" dirty="0" smtClean="0"/>
+              <a:t>Three Scenarios</a:t>
+            </a:r>
+            <a:endParaRPr lang="en-US" dirty="0"/>
+          </a:p>
+        </p:txBody>
+      </p:sp>
+      <p:sp>
+        <p:nvSpPr>
+          <p:cNvPr id="3" name="Content Placeholder 2"/>
+          <p:cNvSpPr>
+            <a:spLocks noGrp="1"/>
+          </p:cNvSpPr>
+          <p:nvPr>
+            <p:ph idx="1"/>
+          </p:nvPr>
+        </p:nvSpPr>
+        <p:spPr/>
+        <p:txBody>
+          <a:bodyPr/>
+          <a:lstStyle/>
+          <a:p>
+            <a:r>
+              <a:rPr lang="en-US" dirty="0"/>
+              <a:t>S</a:t>
+            </a:r>
+            <a:r>
+              <a:rPr lang="en-US" dirty="0" smtClean="0"/>
+              <a:t>uspiciousness only</a:t>
+            </a:r>
+          </a:p>
+          <a:p>
+            <a:r>
+              <a:rPr lang="en-US" dirty="0"/>
+              <a:t>S</a:t>
+            </a:r>
+            <a:r>
+              <a:rPr lang="en-US" dirty="0" smtClean="0"/>
+              <a:t>uspiciousness and group</a:t>
+            </a:r>
+          </a:p>
+          <a:p>
+            <a:r>
+              <a:rPr lang="en-US" dirty="0" smtClean="0"/>
+              <a:t>Suspiciousness and an indirect factor associated with group </a:t>
+            </a:r>
+          </a:p>
+          <a:p>
+            <a:endParaRPr lang="en-US" dirty="0"/>
+          </a:p>
+        </p:txBody>
+      </p:sp>
+    </p:spTree>
+    <p:extLst>
+      <p:ext uri="{BB962C8B-B14F-4D97-AF65-F5344CB8AC3E}">
+        <p14:creationId xmlns:p14="http://schemas.microsoft.com/office/powerpoint/2010/main" val="208957654"/>
       </p:ext>
     </p:extLst>
   </p:cSld>
